--- a/BAITHI_NHOM3.pptx
+++ b/BAITHI_NHOM3.pptx
@@ -9562,7 +9562,7 @@
                 <a:ea typeface="Microsoft YaHei"/>
                 <a:cs typeface="Times New Roman"/>
               </a:rPr>
-              <a:t>( contact)</a:t>
+              <a:t> ( contact)</a:t>
             </a:r>
           </a:p>
           <a:p>
@@ -9634,10 +9634,10 @@
                 <a:ea typeface="Microsoft YaHei"/>
                 <a:cs typeface="Times New Roman"/>
               </a:rPr>
-              <a:t> (login/</a:t>
-            </a:r>
-            <a:r>
-              <a:rPr lang="en-US" sz="3200" dirty="0" err="1">
+              <a:t> (login</a:t>
+            </a:r>
+            <a:r>
+              <a:rPr lang="en-US" sz="3200">
                 <a:solidFill>
                   <a:schemeClr val="tx1"/>
                 </a:solidFill>
@@ -9645,19 +9645,16 @@
                 <a:ea typeface="Microsoft YaHei"/>
                 <a:cs typeface="Times New Roman"/>
               </a:rPr>
-              <a:t>prodcut</a:t>
-            </a:r>
-            <a:r>
-              <a:rPr lang="en-US" sz="3200" dirty="0">
-                <a:solidFill>
-                  <a:schemeClr val="tx1"/>
-                </a:solidFill>
-                <a:latin typeface="Times New Roman"/>
-                <a:ea typeface="Microsoft YaHei"/>
-                <a:cs typeface="Times New Roman"/>
-              </a:rPr>
-              <a:t>)</a:t>
-            </a:r>
+              <a:t>/product)</a:t>
+            </a:r>
+            <a:endParaRPr lang="en-US" sz="3200" dirty="0">
+              <a:solidFill>
+                <a:schemeClr val="tx1"/>
+              </a:solidFill>
+              <a:latin typeface="Times New Roman"/>
+              <a:ea typeface="Microsoft YaHei"/>
+              <a:cs typeface="Times New Roman"/>
+            </a:endParaRPr>
           </a:p>
           <a:p>
             <a:pPr marL="571500" indent="-571500">

--- a/BAITHI_NHOM3.pptx
+++ b/BAITHI_NHOM3.pptx
@@ -193,332 +193,9 @@
 <p1510:revInfo xmlns:a="http://schemas.openxmlformats.org/drawingml/2006/main" xmlns:r="http://schemas.openxmlformats.org/officeDocument/2006/relationships" xmlns:p1510="http://schemas.microsoft.com/office/powerpoint/2015/10/main">
   <p1510:revLst>
     <p1510:client id="{2AD7B14F-3828-4DE4-B045-92F8E85D312A}" v="835" dt="2020-09-26T05:42:53.266"/>
+    <p1510:client id="{FF0FF903-9BA3-4538-BD4F-D3694BB4191F}" v="55" dt="2020-09-27T02:42:56.545"/>
   </p1510:revLst>
 </p1510:revInfo>
-</file>
-
-<file path=ppt/changesInfos/changesInfo1.xml><?xml version="1.0" encoding="utf-8"?>
-<pc:chgInfo xmlns:a="http://schemas.openxmlformats.org/drawingml/2006/main" xmlns:r="http://schemas.openxmlformats.org/officeDocument/2006/relationships" xmlns:ac="http://schemas.microsoft.com/office/drawing/2013/main/command" xmlns:pc="http://schemas.microsoft.com/office/powerpoint/2013/main/command">
-  <pc:docChgLst>
-    <pc:chgData name="tran danh dat" userId="f7e4a6041a01a861" providerId="Windows Live" clId="Web-{2AD7B14F-3828-4DE4-B045-92F8E85D312A}"/>
-    <pc:docChg chg="addSld delSld modSld">
-      <pc:chgData name="tran danh dat" userId="f7e4a6041a01a861" providerId="Windows Live" clId="Web-{2AD7B14F-3828-4DE4-B045-92F8E85D312A}" dt="2020-09-26T05:42:52.032" v="821" actId="20577"/>
-      <pc:docMkLst>
-        <pc:docMk/>
-      </pc:docMkLst>
-      <pc:sldChg chg="modSp">
-        <pc:chgData name="tran danh dat" userId="f7e4a6041a01a861" providerId="Windows Live" clId="Web-{2AD7B14F-3828-4DE4-B045-92F8E85D312A}" dt="2020-09-26T05:17:53.619" v="34" actId="20577"/>
-        <pc:sldMkLst>
-          <pc:docMk/>
-          <pc:sldMk cId="0" sldId="256"/>
-        </pc:sldMkLst>
-        <pc:spChg chg="mod">
-          <ac:chgData name="tran danh dat" userId="f7e4a6041a01a861" providerId="Windows Live" clId="Web-{2AD7B14F-3828-4DE4-B045-92F8E85D312A}" dt="2020-09-26T05:17:53.619" v="34" actId="20577"/>
-          <ac:spMkLst>
-            <pc:docMk/>
-            <pc:sldMk cId="0" sldId="256"/>
-            <ac:spMk id="4" creationId="{00000000-0000-0000-0000-000000000000}"/>
-          </ac:spMkLst>
-        </pc:spChg>
-      </pc:sldChg>
-      <pc:sldChg chg="addSp modSp">
-        <pc:chgData name="tran danh dat" userId="f7e4a6041a01a861" providerId="Windows Live" clId="Web-{2AD7B14F-3828-4DE4-B045-92F8E85D312A}" dt="2020-09-26T05:26:14.121" v="319" actId="20577"/>
-        <pc:sldMkLst>
-          <pc:docMk/>
-          <pc:sldMk cId="1917377672" sldId="301"/>
-        </pc:sldMkLst>
-        <pc:spChg chg="add mod">
-          <ac:chgData name="tran danh dat" userId="f7e4a6041a01a861" providerId="Windows Live" clId="Web-{2AD7B14F-3828-4DE4-B045-92F8E85D312A}" dt="2020-09-26T05:23:18.901" v="185" actId="14100"/>
-          <ac:spMkLst>
-            <pc:docMk/>
-            <pc:sldMk cId="1917377672" sldId="301"/>
-            <ac:spMk id="2" creationId="{818D014C-A825-4F0C-8C04-90E88241E99B}"/>
-          </ac:spMkLst>
-        </pc:spChg>
-        <pc:spChg chg="mod">
-          <ac:chgData name="tran danh dat" userId="f7e4a6041a01a861" providerId="Windows Live" clId="Web-{2AD7B14F-3828-4DE4-B045-92F8E85D312A}" dt="2020-09-26T05:26:14.121" v="319" actId="20577"/>
-          <ac:spMkLst>
-            <pc:docMk/>
-            <pc:sldMk cId="1917377672" sldId="301"/>
-            <ac:spMk id="7" creationId="{00000000-0000-0000-0000-000000000000}"/>
-          </ac:spMkLst>
-        </pc:spChg>
-      </pc:sldChg>
-      <pc:sldChg chg="modSp add del">
-        <pc:chgData name="tran danh dat" userId="f7e4a6041a01a861" providerId="Windows Live" clId="Web-{2AD7B14F-3828-4DE4-B045-92F8E85D312A}" dt="2020-09-26T05:24:26.386" v="244" actId="20577"/>
-        <pc:sldMkLst>
-          <pc:docMk/>
-          <pc:sldMk cId="3430673466" sldId="304"/>
-        </pc:sldMkLst>
-        <pc:spChg chg="mod">
-          <ac:chgData name="tran danh dat" userId="f7e4a6041a01a861" providerId="Windows Live" clId="Web-{2AD7B14F-3828-4DE4-B045-92F8E85D312A}" dt="2020-09-26T05:24:26.386" v="244" actId="20577"/>
-          <ac:spMkLst>
-            <pc:docMk/>
-            <pc:sldMk cId="3430673466" sldId="304"/>
-            <ac:spMk id="2" creationId="{00000000-0000-0000-0000-000000000000}"/>
-          </ac:spMkLst>
-        </pc:spChg>
-      </pc:sldChg>
-      <pc:sldChg chg="modSp add replId">
-        <pc:chgData name="tran danh dat" userId="f7e4a6041a01a861" providerId="Windows Live" clId="Web-{2AD7B14F-3828-4DE4-B045-92F8E85D312A}" dt="2020-09-26T05:39:15.577" v="743" actId="20577"/>
-        <pc:sldMkLst>
-          <pc:docMk/>
-          <pc:sldMk cId="246894325" sldId="305"/>
-        </pc:sldMkLst>
-        <pc:spChg chg="mod">
-          <ac:chgData name="tran danh dat" userId="f7e4a6041a01a861" providerId="Windows Live" clId="Web-{2AD7B14F-3828-4DE4-B045-92F8E85D312A}" dt="2020-09-26T05:29:24.840" v="351" actId="20577"/>
-          <ac:spMkLst>
-            <pc:docMk/>
-            <pc:sldMk cId="246894325" sldId="305"/>
-            <ac:spMk id="2" creationId="{818D014C-A825-4F0C-8C04-90E88241E99B}"/>
-          </ac:spMkLst>
-        </pc:spChg>
-        <pc:spChg chg="mod">
-          <ac:chgData name="tran danh dat" userId="f7e4a6041a01a861" providerId="Windows Live" clId="Web-{2AD7B14F-3828-4DE4-B045-92F8E85D312A}" dt="2020-09-26T05:39:15.577" v="743" actId="20577"/>
-          <ac:spMkLst>
-            <pc:docMk/>
-            <pc:sldMk cId="246894325" sldId="305"/>
-            <ac:spMk id="7" creationId="{00000000-0000-0000-0000-000000000000}"/>
-          </ac:spMkLst>
-        </pc:spChg>
-      </pc:sldChg>
-      <pc:sldChg chg="add del replId">
-        <pc:chgData name="tran danh dat" userId="f7e4a6041a01a861" providerId="Windows Live" clId="Web-{2AD7B14F-3828-4DE4-B045-92F8E85D312A}" dt="2020-09-26T05:28:30.746" v="322"/>
-        <pc:sldMkLst>
-          <pc:docMk/>
-          <pc:sldMk cId="1680400951" sldId="305"/>
-        </pc:sldMkLst>
-      </pc:sldChg>
-      <pc:sldChg chg="del">
-        <pc:chgData name="tran danh dat" userId="f7e4a6041a01a861" providerId="Windows Live" clId="Web-{2AD7B14F-3828-4DE4-B045-92F8E85D312A}" dt="2020-09-26T05:23:25.401" v="186"/>
-        <pc:sldMkLst>
-          <pc:docMk/>
-          <pc:sldMk cId="96057041" sldId="306"/>
-        </pc:sldMkLst>
-      </pc:sldChg>
-      <pc:sldChg chg="addSp modSp add replId">
-        <pc:chgData name="tran danh dat" userId="f7e4a6041a01a861" providerId="Windows Live" clId="Web-{2AD7B14F-3828-4DE4-B045-92F8E85D312A}" dt="2020-09-26T05:41:12.312" v="777" actId="20577"/>
-        <pc:sldMkLst>
-          <pc:docMk/>
-          <pc:sldMk cId="1396773653" sldId="306"/>
-        </pc:sldMkLst>
-        <pc:spChg chg="mod">
-          <ac:chgData name="tran danh dat" userId="f7e4a6041a01a861" providerId="Windows Live" clId="Web-{2AD7B14F-3828-4DE4-B045-92F8E85D312A}" dt="2020-09-26T05:36:33.077" v="676" actId="20577"/>
-          <ac:spMkLst>
-            <pc:docMk/>
-            <pc:sldMk cId="1396773653" sldId="306"/>
-            <ac:spMk id="2" creationId="{818D014C-A825-4F0C-8C04-90E88241E99B}"/>
-          </ac:spMkLst>
-        </pc:spChg>
-        <pc:spChg chg="mod">
-          <ac:chgData name="tran danh dat" userId="f7e4a6041a01a861" providerId="Windows Live" clId="Web-{2AD7B14F-3828-4DE4-B045-92F8E85D312A}" dt="2020-09-26T05:41:12.312" v="777" actId="20577"/>
-          <ac:spMkLst>
-            <pc:docMk/>
-            <pc:sldMk cId="1396773653" sldId="306"/>
-            <ac:spMk id="7" creationId="{00000000-0000-0000-0000-000000000000}"/>
-          </ac:spMkLst>
-        </pc:spChg>
-        <pc:picChg chg="add mod">
-          <ac:chgData name="tran danh dat" userId="f7e4a6041a01a861" providerId="Windows Live" clId="Web-{2AD7B14F-3828-4DE4-B045-92F8E85D312A}" dt="2020-09-26T05:40:26.765" v="753" actId="1076"/>
-          <ac:picMkLst>
-            <pc:docMk/>
-            <pc:sldMk cId="1396773653" sldId="306"/>
-            <ac:picMk id="3" creationId="{8B95394C-8674-413E-99FD-BFDD577BCCDD}"/>
-          </ac:picMkLst>
-        </pc:picChg>
-      </pc:sldChg>
-      <pc:sldChg chg="addSp delSp modSp add replId">
-        <pc:chgData name="tran danh dat" userId="f7e4a6041a01a861" providerId="Windows Live" clId="Web-{2AD7B14F-3828-4DE4-B045-92F8E85D312A}" dt="2020-09-26T05:42:13.656" v="798" actId="20577"/>
-        <pc:sldMkLst>
-          <pc:docMk/>
-          <pc:sldMk cId="1682125627" sldId="307"/>
-        </pc:sldMkLst>
-        <pc:spChg chg="mod">
-          <ac:chgData name="tran danh dat" userId="f7e4a6041a01a861" providerId="Windows Live" clId="Web-{2AD7B14F-3828-4DE4-B045-92F8E85D312A}" dt="2020-09-26T05:42:13.656" v="798" actId="20577"/>
-          <ac:spMkLst>
-            <pc:docMk/>
-            <pc:sldMk cId="1682125627" sldId="307"/>
-            <ac:spMk id="2" creationId="{818D014C-A825-4F0C-8C04-90E88241E99B}"/>
-          </ac:spMkLst>
-        </pc:spChg>
-        <pc:spChg chg="mod">
-          <ac:chgData name="tran danh dat" userId="f7e4a6041a01a861" providerId="Windows Live" clId="Web-{2AD7B14F-3828-4DE4-B045-92F8E85D312A}" dt="2020-09-26T05:42:07.485" v="792" actId="20577"/>
-          <ac:spMkLst>
-            <pc:docMk/>
-            <pc:sldMk cId="1682125627" sldId="307"/>
-            <ac:spMk id="7" creationId="{00000000-0000-0000-0000-000000000000}"/>
-          </ac:spMkLst>
-        </pc:spChg>
-        <pc:picChg chg="del">
-          <ac:chgData name="tran danh dat" userId="f7e4a6041a01a861" providerId="Windows Live" clId="Web-{2AD7B14F-3828-4DE4-B045-92F8E85D312A}" dt="2020-09-26T05:41:21.312" v="780"/>
-          <ac:picMkLst>
-            <pc:docMk/>
-            <pc:sldMk cId="1682125627" sldId="307"/>
-            <ac:picMk id="3" creationId="{8B95394C-8674-413E-99FD-BFDD577BCCDD}"/>
-          </ac:picMkLst>
-        </pc:picChg>
-        <pc:picChg chg="add mod">
-          <ac:chgData name="tran danh dat" userId="f7e4a6041a01a861" providerId="Windows Live" clId="Web-{2AD7B14F-3828-4DE4-B045-92F8E85D312A}" dt="2020-09-26T05:41:58.688" v="785" actId="14100"/>
-          <ac:picMkLst>
-            <pc:docMk/>
-            <pc:sldMk cId="1682125627" sldId="307"/>
-            <ac:picMk id="4" creationId="{B8218CF5-D6C6-4E6F-B725-6A38860984FD}"/>
-          </ac:picMkLst>
-        </pc:picChg>
-      </pc:sldChg>
-      <pc:sldChg chg="addSp delSp modSp add replId">
-        <pc:chgData name="tran danh dat" userId="f7e4a6041a01a861" providerId="Windows Live" clId="Web-{2AD7B14F-3828-4DE4-B045-92F8E85D312A}" dt="2020-09-26T05:42:52.032" v="820" actId="20577"/>
-        <pc:sldMkLst>
-          <pc:docMk/>
-          <pc:sldMk cId="4269250384" sldId="308"/>
-        </pc:sldMkLst>
-        <pc:spChg chg="mod">
-          <ac:chgData name="tran danh dat" userId="f7e4a6041a01a861" providerId="Windows Live" clId="Web-{2AD7B14F-3828-4DE4-B045-92F8E85D312A}" dt="2020-09-26T05:42:52.032" v="820" actId="20577"/>
-          <ac:spMkLst>
-            <pc:docMk/>
-            <pc:sldMk cId="4269250384" sldId="308"/>
-            <ac:spMk id="7" creationId="{00000000-0000-0000-0000-000000000000}"/>
-          </ac:spMkLst>
-        </pc:spChg>
-        <pc:picChg chg="add mod">
-          <ac:chgData name="tran danh dat" userId="f7e4a6041a01a861" providerId="Windows Live" clId="Web-{2AD7B14F-3828-4DE4-B045-92F8E85D312A}" dt="2020-09-26T05:42:44.719" v="807" actId="14100"/>
-          <ac:picMkLst>
-            <pc:docMk/>
-            <pc:sldMk cId="4269250384" sldId="308"/>
-            <ac:picMk id="3" creationId="{92C909B8-F1A4-40A2-BD3B-D741BAB7C29D}"/>
-          </ac:picMkLst>
-        </pc:picChg>
-        <pc:picChg chg="del">
-          <ac:chgData name="tran danh dat" userId="f7e4a6041a01a861" providerId="Windows Live" clId="Web-{2AD7B14F-3828-4DE4-B045-92F8E85D312A}" dt="2020-09-26T05:42:33.657" v="802"/>
-          <ac:picMkLst>
-            <pc:docMk/>
-            <pc:sldMk cId="4269250384" sldId="308"/>
-            <ac:picMk id="4" creationId="{B8218CF5-D6C6-4E6F-B725-6A38860984FD}"/>
-          </ac:picMkLst>
-        </pc:picChg>
-      </pc:sldChg>
-      <pc:sldChg chg="del">
-        <pc:chgData name="tran danh dat" userId="f7e4a6041a01a861" providerId="Windows Live" clId="Web-{2AD7B14F-3828-4DE4-B045-92F8E85D312A}" dt="2020-09-26T05:23:27.823" v="188"/>
-        <pc:sldMkLst>
-          <pc:docMk/>
-          <pc:sldMk cId="1845930930" sldId="314"/>
-        </pc:sldMkLst>
-      </pc:sldChg>
-      <pc:sldChg chg="del">
-        <pc:chgData name="tran danh dat" userId="f7e4a6041a01a861" providerId="Windows Live" clId="Web-{2AD7B14F-3828-4DE4-B045-92F8E85D312A}" dt="2020-09-26T05:23:28.339" v="189"/>
-        <pc:sldMkLst>
-          <pc:docMk/>
-          <pc:sldMk cId="2269735670" sldId="315"/>
-        </pc:sldMkLst>
-      </pc:sldChg>
-      <pc:sldChg chg="del">
-        <pc:chgData name="tran danh dat" userId="f7e4a6041a01a861" providerId="Windows Live" clId="Web-{2AD7B14F-3828-4DE4-B045-92F8E85D312A}" dt="2020-09-26T05:23:29.573" v="190"/>
-        <pc:sldMkLst>
-          <pc:docMk/>
-          <pc:sldMk cId="3521988452" sldId="316"/>
-        </pc:sldMkLst>
-      </pc:sldChg>
-      <pc:sldChg chg="del">
-        <pc:chgData name="tran danh dat" userId="f7e4a6041a01a861" providerId="Windows Live" clId="Web-{2AD7B14F-3828-4DE4-B045-92F8E85D312A}" dt="2020-09-26T05:23:32.620" v="193"/>
-        <pc:sldMkLst>
-          <pc:docMk/>
-          <pc:sldMk cId="1003424862" sldId="317"/>
-        </pc:sldMkLst>
-      </pc:sldChg>
-      <pc:sldChg chg="del">
-        <pc:chgData name="tran danh dat" userId="f7e4a6041a01a861" providerId="Windows Live" clId="Web-{2AD7B14F-3828-4DE4-B045-92F8E85D312A}" dt="2020-09-26T05:23:32.104" v="192"/>
-        <pc:sldMkLst>
-          <pc:docMk/>
-          <pc:sldMk cId="3509176579" sldId="318"/>
-        </pc:sldMkLst>
-      </pc:sldChg>
-      <pc:sldChg chg="del">
-        <pc:chgData name="tran danh dat" userId="f7e4a6041a01a861" providerId="Windows Live" clId="Web-{2AD7B14F-3828-4DE4-B045-92F8E85D312A}" dt="2020-09-26T05:23:33.573" v="195"/>
-        <pc:sldMkLst>
-          <pc:docMk/>
-          <pc:sldMk cId="4059923408" sldId="319"/>
-        </pc:sldMkLst>
-      </pc:sldChg>
-      <pc:sldChg chg="del">
-        <pc:chgData name="tran danh dat" userId="f7e4a6041a01a861" providerId="Windows Live" clId="Web-{2AD7B14F-3828-4DE4-B045-92F8E85D312A}" dt="2020-09-26T05:23:34.104" v="196"/>
-        <pc:sldMkLst>
-          <pc:docMk/>
-          <pc:sldMk cId="1678170530" sldId="320"/>
-        </pc:sldMkLst>
-      </pc:sldChg>
-      <pc:sldChg chg="del">
-        <pc:chgData name="tran danh dat" userId="f7e4a6041a01a861" providerId="Windows Live" clId="Web-{2AD7B14F-3828-4DE4-B045-92F8E85D312A}" dt="2020-09-26T05:23:34.698" v="197"/>
-        <pc:sldMkLst>
-          <pc:docMk/>
-          <pc:sldMk cId="869238789" sldId="321"/>
-        </pc:sldMkLst>
-      </pc:sldChg>
-      <pc:sldChg chg="del">
-        <pc:chgData name="tran danh dat" userId="f7e4a6041a01a861" providerId="Windows Live" clId="Web-{2AD7B14F-3828-4DE4-B045-92F8E85D312A}" dt="2020-09-26T05:23:38.495" v="201"/>
-        <pc:sldMkLst>
-          <pc:docMk/>
-          <pc:sldMk cId="2935836779" sldId="322"/>
-        </pc:sldMkLst>
-      </pc:sldChg>
-      <pc:sldChg chg="del">
-        <pc:chgData name="tran danh dat" userId="f7e4a6041a01a861" providerId="Windows Live" clId="Web-{2AD7B14F-3828-4DE4-B045-92F8E85D312A}" dt="2020-09-26T05:23:39.245" v="202"/>
-        <pc:sldMkLst>
-          <pc:docMk/>
-          <pc:sldMk cId="3193014501" sldId="323"/>
-        </pc:sldMkLst>
-      </pc:sldChg>
-      <pc:sldChg chg="del">
-        <pc:chgData name="tran danh dat" userId="f7e4a6041a01a861" providerId="Windows Live" clId="Web-{2AD7B14F-3828-4DE4-B045-92F8E85D312A}" dt="2020-09-26T05:23:39.729" v="203"/>
-        <pc:sldMkLst>
-          <pc:docMk/>
-          <pc:sldMk cId="3773808631" sldId="324"/>
-        </pc:sldMkLst>
-      </pc:sldChg>
-      <pc:sldChg chg="del">
-        <pc:chgData name="tran danh dat" userId="f7e4a6041a01a861" providerId="Windows Live" clId="Web-{2AD7B14F-3828-4DE4-B045-92F8E85D312A}" dt="2020-09-26T05:23:26.104" v="187"/>
-        <pc:sldMkLst>
-          <pc:docMk/>
-          <pc:sldMk cId="1089300796" sldId="325"/>
-        </pc:sldMkLst>
-      </pc:sldChg>
-      <pc:sldChg chg="del">
-        <pc:chgData name="tran danh dat" userId="f7e4a6041a01a861" providerId="Windows Live" clId="Web-{2AD7B14F-3828-4DE4-B045-92F8E85D312A}" dt="2020-09-26T05:23:36.433" v="199"/>
-        <pc:sldMkLst>
-          <pc:docMk/>
-          <pc:sldMk cId="213043610" sldId="326"/>
-        </pc:sldMkLst>
-      </pc:sldChg>
-      <pc:sldChg chg="del">
-        <pc:chgData name="tran danh dat" userId="f7e4a6041a01a861" providerId="Windows Live" clId="Web-{2AD7B14F-3828-4DE4-B045-92F8E85D312A}" dt="2020-09-26T05:23:30.354" v="191"/>
-        <pc:sldMkLst>
-          <pc:docMk/>
-          <pc:sldMk cId="3813720415" sldId="327"/>
-        </pc:sldMkLst>
-      </pc:sldChg>
-      <pc:sldChg chg="del">
-        <pc:chgData name="tran danh dat" userId="f7e4a6041a01a861" providerId="Windows Live" clId="Web-{2AD7B14F-3828-4DE4-B045-92F8E85D312A}" dt="2020-09-26T05:23:32.979" v="194"/>
-        <pc:sldMkLst>
-          <pc:docMk/>
-          <pc:sldMk cId="274851173" sldId="328"/>
-        </pc:sldMkLst>
-      </pc:sldChg>
-      <pc:sldChg chg="del">
-        <pc:chgData name="tran danh dat" userId="f7e4a6041a01a861" providerId="Windows Live" clId="Web-{2AD7B14F-3828-4DE4-B045-92F8E85D312A}" dt="2020-09-26T05:23:35.698" v="198"/>
-        <pc:sldMkLst>
-          <pc:docMk/>
-          <pc:sldMk cId="1831880245" sldId="329"/>
-        </pc:sldMkLst>
-      </pc:sldChg>
-      <pc:sldChg chg="del">
-        <pc:chgData name="tran danh dat" userId="f7e4a6041a01a861" providerId="Windows Live" clId="Web-{2AD7B14F-3828-4DE4-B045-92F8E85D312A}" dt="2020-09-26T05:23:37.667" v="200"/>
-        <pc:sldMkLst>
-          <pc:docMk/>
-          <pc:sldMk cId="28958158" sldId="330"/>
-        </pc:sldMkLst>
-      </pc:sldChg>
-    </pc:docChg>
-  </pc:docChgLst>
-</pc:chgInfo>
 </file>
 
 <file path=ppt/notesMasters/notesMaster1.xml><?xml version="1.0" encoding="utf-8"?>
@@ -9450,51 +9127,7 @@
                 <a:ea typeface="Microsoft YaHei"/>
                 <a:cs typeface="Times New Roman"/>
               </a:rPr>
-              <a:t>TRẦN </a:t>
-            </a:r>
-            <a:r>
-              <a:rPr lang="en-US" sz="3200" dirty="0" err="1">
-                <a:solidFill>
-                  <a:schemeClr val="tx1"/>
-                </a:solidFill>
-                <a:latin typeface="Times New Roman"/>
-                <a:ea typeface="Microsoft YaHei"/>
-                <a:cs typeface="Times New Roman"/>
-              </a:rPr>
-              <a:t>DANH</a:t>
-            </a:r>
-            <a:r>
-              <a:rPr lang="en-US" sz="3200" dirty="0">
-                <a:solidFill>
-                  <a:schemeClr val="tx1"/>
-                </a:solidFill>
-                <a:latin typeface="Times New Roman"/>
-                <a:ea typeface="Microsoft YaHei"/>
-                <a:cs typeface="Times New Roman"/>
-              </a:rPr>
-              <a:t> </a:t>
-            </a:r>
-            <a:r>
-              <a:rPr lang="en-US" sz="3200" dirty="0" err="1">
-                <a:solidFill>
-                  <a:schemeClr val="tx1"/>
-                </a:solidFill>
-                <a:latin typeface="Times New Roman"/>
-                <a:ea typeface="Microsoft YaHei"/>
-                <a:cs typeface="Times New Roman"/>
-              </a:rPr>
-              <a:t>ĐẠT</a:t>
-            </a:r>
-            <a:r>
-              <a:rPr lang="en-US" sz="3200" dirty="0">
-                <a:solidFill>
-                  <a:schemeClr val="tx1"/>
-                </a:solidFill>
-                <a:latin typeface="Times New Roman"/>
-                <a:ea typeface="Microsoft YaHei"/>
-                <a:cs typeface="Times New Roman"/>
-              </a:rPr>
-              <a:t> ( employee)</a:t>
+              <a:t>TRẦN DANH ĐẠT ( employee)</a:t>
             </a:r>
             <a:endParaRPr lang="en-US" sz="3200" dirty="0">
               <a:solidFill>
@@ -9518,10 +9151,16 @@
                 <a:ea typeface="Microsoft YaHei"/>
                 <a:cs typeface="Times New Roman"/>
               </a:rPr>
-              <a:t>TRẦN </a:t>
-            </a:r>
-            <a:r>
-              <a:rPr lang="en-US" sz="3200" dirty="0" err="1">
+              <a:t>NGUYỄN TRỌNG NGUYỄN ( contact)</a:t>
+            </a:r>
+          </a:p>
+          <a:p>
+            <a:pPr marL="571500" indent="-571500">
+              <a:buFont typeface="Arial"/>
+              <a:buChar char="•"/>
+            </a:pPr>
+            <a:r>
+              <a:rPr lang="en-US" sz="3200" dirty="0">
                 <a:solidFill>
                   <a:schemeClr val="tx1"/>
                 </a:solidFill>
@@ -9529,8 +9168,14 @@
                 <a:ea typeface="Microsoft YaHei"/>
                 <a:cs typeface="Times New Roman"/>
               </a:rPr>
-              <a:t>CHÍ</a:t>
-            </a:r>
+              <a:t>TRẦN CHÍ NGUYỆN (login/signup/product)</a:t>
+            </a:r>
+          </a:p>
+          <a:p>
+            <a:pPr marL="571500" indent="-571500">
+              <a:buFont typeface="Arial"/>
+              <a:buChar char="•"/>
+            </a:pPr>
             <a:r>
               <a:rPr lang="en-US" sz="3200" dirty="0">
                 <a:solidFill>
@@ -9540,192 +9185,7 @@
                 <a:ea typeface="Microsoft YaHei"/>
                 <a:cs typeface="Times New Roman"/>
               </a:rPr>
-              <a:t> </a:t>
-            </a:r>
-            <a:r>
-              <a:rPr lang="en-US" sz="3200" dirty="0" err="1">
-                <a:solidFill>
-                  <a:schemeClr val="tx1"/>
-                </a:solidFill>
-                <a:latin typeface="Times New Roman"/>
-                <a:ea typeface="Microsoft YaHei"/>
-                <a:cs typeface="Times New Roman"/>
-              </a:rPr>
-              <a:t>NGUYỆN</a:t>
-            </a:r>
-            <a:r>
-              <a:rPr lang="en-US" sz="3200" dirty="0">
-                <a:solidFill>
-                  <a:schemeClr val="tx1"/>
-                </a:solidFill>
-                <a:latin typeface="Times New Roman"/>
-                <a:ea typeface="Microsoft YaHei"/>
-                <a:cs typeface="Times New Roman"/>
-              </a:rPr>
-              <a:t> ( contact)</a:t>
-            </a:r>
-          </a:p>
-          <a:p>
-            <a:pPr marL="571500" indent="-571500">
-              <a:buFont typeface="Arial"/>
-              <a:buChar char="•"/>
-            </a:pPr>
-            <a:r>
-              <a:rPr lang="en-US" sz="3200" dirty="0" err="1">
-                <a:solidFill>
-                  <a:schemeClr val="tx1"/>
-                </a:solidFill>
-                <a:latin typeface="Times New Roman"/>
-                <a:ea typeface="Microsoft YaHei"/>
-                <a:cs typeface="Times New Roman"/>
-              </a:rPr>
-              <a:t>NGUYỄN</a:t>
-            </a:r>
-            <a:r>
-              <a:rPr lang="en-US" sz="3200" dirty="0">
-                <a:solidFill>
-                  <a:schemeClr val="tx1"/>
-                </a:solidFill>
-                <a:latin typeface="Times New Roman"/>
-                <a:ea typeface="Microsoft YaHei"/>
-                <a:cs typeface="Times New Roman"/>
-              </a:rPr>
-              <a:t> </a:t>
-            </a:r>
-            <a:r>
-              <a:rPr lang="en-US" sz="3200" dirty="0" err="1">
-                <a:solidFill>
-                  <a:schemeClr val="tx1"/>
-                </a:solidFill>
-                <a:latin typeface="Times New Roman"/>
-                <a:ea typeface="Microsoft YaHei"/>
-                <a:cs typeface="Times New Roman"/>
-              </a:rPr>
-              <a:t>TRỌNG</a:t>
-            </a:r>
-            <a:r>
-              <a:rPr lang="en-US" sz="3200" dirty="0">
-                <a:solidFill>
-                  <a:schemeClr val="tx1"/>
-                </a:solidFill>
-                <a:latin typeface="Times New Roman"/>
-                <a:ea typeface="Microsoft YaHei"/>
-                <a:cs typeface="Times New Roman"/>
-              </a:rPr>
-              <a:t> </a:t>
-            </a:r>
-            <a:r>
-              <a:rPr lang="en-US" sz="3200" dirty="0" err="1">
-                <a:solidFill>
-                  <a:schemeClr val="tx1"/>
-                </a:solidFill>
-                <a:latin typeface="Times New Roman"/>
-                <a:ea typeface="Microsoft YaHei"/>
-                <a:cs typeface="Times New Roman"/>
-              </a:rPr>
-              <a:t>NGUYỄN</a:t>
-            </a:r>
-            <a:r>
-              <a:rPr lang="en-US" sz="3200" dirty="0">
-                <a:solidFill>
-                  <a:schemeClr val="tx1"/>
-                </a:solidFill>
-                <a:latin typeface="Times New Roman"/>
-                <a:ea typeface="Microsoft YaHei"/>
-                <a:cs typeface="Times New Roman"/>
-              </a:rPr>
-              <a:t> (login</a:t>
-            </a:r>
-            <a:r>
-              <a:rPr lang="en-US" sz="3200">
-                <a:solidFill>
-                  <a:schemeClr val="tx1"/>
-                </a:solidFill>
-                <a:latin typeface="Times New Roman"/>
-                <a:ea typeface="Microsoft YaHei"/>
-                <a:cs typeface="Times New Roman"/>
-              </a:rPr>
-              <a:t>/product)</a:t>
-            </a:r>
-            <a:endParaRPr lang="en-US" sz="3200" dirty="0">
-              <a:solidFill>
-                <a:schemeClr val="tx1"/>
-              </a:solidFill>
-              <a:latin typeface="Times New Roman"/>
-              <a:ea typeface="Microsoft YaHei"/>
-              <a:cs typeface="Times New Roman"/>
-            </a:endParaRPr>
-          </a:p>
-          <a:p>
-            <a:pPr marL="571500" indent="-571500">
-              <a:buFont typeface="Arial"/>
-              <a:buChar char="•"/>
-            </a:pPr>
-            <a:r>
-              <a:rPr lang="en-US" sz="3200" dirty="0" err="1">
-                <a:solidFill>
-                  <a:schemeClr val="tx1"/>
-                </a:solidFill>
-                <a:latin typeface="Times New Roman"/>
-                <a:ea typeface="Microsoft YaHei"/>
-                <a:cs typeface="Times New Roman"/>
-              </a:rPr>
-              <a:t>NGUYỄN</a:t>
-            </a:r>
-            <a:r>
-              <a:rPr lang="en-US" sz="3200" dirty="0">
-                <a:solidFill>
-                  <a:schemeClr val="tx1"/>
-                </a:solidFill>
-                <a:latin typeface="Times New Roman"/>
-                <a:ea typeface="Microsoft YaHei"/>
-                <a:cs typeface="Times New Roman"/>
-              </a:rPr>
-              <a:t> </a:t>
-            </a:r>
-            <a:r>
-              <a:rPr lang="en-US" sz="3200" dirty="0" err="1">
-                <a:solidFill>
-                  <a:schemeClr val="tx1"/>
-                </a:solidFill>
-                <a:latin typeface="Times New Roman"/>
-                <a:ea typeface="Microsoft YaHei"/>
-                <a:cs typeface="Times New Roman"/>
-              </a:rPr>
-              <a:t>THỊ</a:t>
-            </a:r>
-            <a:r>
-              <a:rPr lang="en-US" sz="3200" dirty="0">
-                <a:solidFill>
-                  <a:schemeClr val="tx1"/>
-                </a:solidFill>
-                <a:latin typeface="Times New Roman"/>
-                <a:ea typeface="Microsoft YaHei"/>
-                <a:cs typeface="Times New Roman"/>
-              </a:rPr>
-              <a:t> </a:t>
-            </a:r>
-            <a:r>
-              <a:rPr lang="en-US" sz="3200" dirty="0" err="1">
-                <a:solidFill>
-                  <a:schemeClr val="tx1"/>
-                </a:solidFill>
-                <a:latin typeface="Times New Roman"/>
-                <a:ea typeface="Microsoft YaHei"/>
-                <a:cs typeface="Times New Roman"/>
-              </a:rPr>
-              <a:t>LÀNH</a:t>
-            </a:r>
-            <a:r>
-              <a:rPr lang="en-US" sz="3200" dirty="0">
-                <a:solidFill>
-                  <a:schemeClr val="tx1"/>
-                </a:solidFill>
-                <a:latin typeface="Times New Roman"/>
-                <a:ea typeface="Microsoft YaHei"/>
-                <a:cs typeface="Times New Roman"/>
-              </a:rPr>
-              <a:t> (category)</a:t>
+              <a:t>NGUYỄN THỊ LÀNH (category)</a:t>
             </a:r>
             <a:endParaRPr lang="en-US" sz="3200" dirty="0">
               <a:solidFill>

--- a/BAITHI_NHOM3.pptx
+++ b/BAITHI_NHOM3.pptx
@@ -5,7 +5,7 @@
     <p:sldMasterId id="2147483648" r:id="rId1"/>
   </p:sldMasterIdLst>
   <p:notesMasterIdLst>
-    <p:notesMasterId r:id="rId10"/>
+    <p:notesMasterId r:id="rId11"/>
   </p:notesMasterIdLst>
   <p:sldIdLst>
     <p:sldId id="256" r:id="rId2"/>
@@ -15,7 +15,8 @@
     <p:sldId id="307" r:id="rId6"/>
     <p:sldId id="308" r:id="rId7"/>
     <p:sldId id="309" r:id="rId8"/>
-    <p:sldId id="304" r:id="rId9"/>
+    <p:sldId id="310" r:id="rId9"/>
+    <p:sldId id="304" r:id="rId10"/>
   </p:sldIdLst>
   <p:sldSz cx="9144000" cy="6858000" type="screen4x3"/>
   <p:notesSz cx="6858000" cy="9144000"/>
@@ -193,7 +194,7 @@
 <p1510:revInfo xmlns:a="http://schemas.openxmlformats.org/drawingml/2006/main" xmlns:r="http://schemas.openxmlformats.org/officeDocument/2006/relationships" xmlns:p1510="http://schemas.microsoft.com/office/powerpoint/2015/10/main">
   <p1510:revLst>
     <p1510:client id="{2AD7B14F-3828-4DE4-B045-92F8E85D312A}" v="835" dt="2020-09-26T05:42:53.266"/>
-    <p1510:client id="{FF0FF903-9BA3-4538-BD4F-D3694BB4191F}" v="55" dt="2020-09-27T02:42:56.545"/>
+    <p1510:client id="{FF0FF903-9BA3-4538-BD4F-D3694BB4191F}" v="80" dt="2020-09-27T02:56:07.927"/>
   </p1510:revLst>
 </p1510:revInfo>
 </file>
@@ -4330,6 +4331,437 @@
 </file>
 
 <file path=ppt/notesSlides/notesSlide8.xml><?xml version="1.0" encoding="utf-8"?>
+<p:notes xmlns:a="http://schemas.openxmlformats.org/drawingml/2006/main" xmlns:r="http://schemas.openxmlformats.org/officeDocument/2006/relationships" xmlns:p="http://schemas.openxmlformats.org/presentationml/2006/main">
+  <p:cSld>
+    <p:bg>
+      <p:bgPr>
+        <a:solidFill>
+          <a:srgbClr val="FFFFFF"/>
+        </a:solidFill>
+        <a:effectLst/>
+      </p:bgPr>
+    </p:bg>
+    <p:spTree>
+      <p:nvGrpSpPr>
+        <p:cNvPr id="1" name=""/>
+        <p:cNvGrpSpPr/>
+        <p:nvPr/>
+      </p:nvGrpSpPr>
+      <p:grpSpPr>
+        <a:xfrm>
+          <a:off x="0" y="0"/>
+          <a:ext cx="0" cy="0"/>
+          <a:chOff x="0" y="0"/>
+          <a:chExt cx="0" cy="0"/>
+        </a:xfrm>
+      </p:grpSpPr>
+      <p:sp>
+        <p:nvSpPr>
+          <p:cNvPr id="5122" name="Rectangle 14"/>
+          <p:cNvSpPr>
+            <a:spLocks noGrp="1" noChangeArrowheads="1"/>
+          </p:cNvSpPr>
+          <p:nvPr>
+            <p:ph type="sldNum" sz="quarter"/>
+          </p:nvPr>
+        </p:nvSpPr>
+        <p:spPr>
+          <a:noFill/>
+          <a:extLst>
+            <a:ext uri="{91240B29-F687-4F45-9708-019B960494DF}">
+              <a14:hiddenLine xmlns:a14="http://schemas.microsoft.com/office/drawing/2010/main" w="9525">
+                <a:solidFill>
+                  <a:srgbClr val="3465A4"/>
+                </a:solidFill>
+                <a:round/>
+                <a:headEnd/>
+                <a:tailEnd/>
+              </a14:hiddenLine>
+            </a:ext>
+          </a:extLst>
+        </p:spPr>
+        <p:txBody>
+          <a:bodyPr/>
+          <a:lstStyle>
+            <a:lvl1pPr>
+              <a:spcBef>
+                <a:spcPct val="30000"/>
+              </a:spcBef>
+              <a:buClr>
+                <a:srgbClr val="000000"/>
+              </a:buClr>
+              <a:buSzPct val="100000"/>
+              <a:buFont typeface="Times New Roman" panose="02020603050405020304" pitchFamily="18" charset="0"/>
+              <a:tabLst>
+                <a:tab pos="457200" algn="l"/>
+                <a:tab pos="914400" algn="l"/>
+                <a:tab pos="1371600" algn="l"/>
+                <a:tab pos="1828800" algn="l"/>
+                <a:tab pos="2286000" algn="l"/>
+                <a:tab pos="2743200" algn="l"/>
+              </a:tabLst>
+              <a:defRPr sz="1200">
+                <a:solidFill>
+                  <a:srgbClr val="000000"/>
+                </a:solidFill>
+                <a:latin typeface="Times New Roman" panose="02020603050405020304" pitchFamily="18" charset="0"/>
+              </a:defRPr>
+            </a:lvl1pPr>
+            <a:lvl2pPr>
+              <a:spcBef>
+                <a:spcPct val="30000"/>
+              </a:spcBef>
+              <a:buClr>
+                <a:srgbClr val="000000"/>
+              </a:buClr>
+              <a:buSzPct val="100000"/>
+              <a:buFont typeface="Times New Roman" panose="02020603050405020304" pitchFamily="18" charset="0"/>
+              <a:tabLst>
+                <a:tab pos="457200" algn="l"/>
+                <a:tab pos="914400" algn="l"/>
+                <a:tab pos="1371600" algn="l"/>
+                <a:tab pos="1828800" algn="l"/>
+                <a:tab pos="2286000" algn="l"/>
+                <a:tab pos="2743200" algn="l"/>
+              </a:tabLst>
+              <a:defRPr sz="1200">
+                <a:solidFill>
+                  <a:srgbClr val="000000"/>
+                </a:solidFill>
+                <a:latin typeface="Times New Roman" panose="02020603050405020304" pitchFamily="18" charset="0"/>
+              </a:defRPr>
+            </a:lvl2pPr>
+            <a:lvl3pPr>
+              <a:spcBef>
+                <a:spcPct val="30000"/>
+              </a:spcBef>
+              <a:buClr>
+                <a:srgbClr val="000000"/>
+              </a:buClr>
+              <a:buSzPct val="100000"/>
+              <a:buFont typeface="Times New Roman" panose="02020603050405020304" pitchFamily="18" charset="0"/>
+              <a:tabLst>
+                <a:tab pos="457200" algn="l"/>
+                <a:tab pos="914400" algn="l"/>
+                <a:tab pos="1371600" algn="l"/>
+                <a:tab pos="1828800" algn="l"/>
+                <a:tab pos="2286000" algn="l"/>
+                <a:tab pos="2743200" algn="l"/>
+              </a:tabLst>
+              <a:defRPr sz="1200">
+                <a:solidFill>
+                  <a:srgbClr val="000000"/>
+                </a:solidFill>
+                <a:latin typeface="Times New Roman" panose="02020603050405020304" pitchFamily="18" charset="0"/>
+              </a:defRPr>
+            </a:lvl3pPr>
+            <a:lvl4pPr>
+              <a:spcBef>
+                <a:spcPct val="30000"/>
+              </a:spcBef>
+              <a:buClr>
+                <a:srgbClr val="000000"/>
+              </a:buClr>
+              <a:buSzPct val="100000"/>
+              <a:buFont typeface="Times New Roman" panose="02020603050405020304" pitchFamily="18" charset="0"/>
+              <a:tabLst>
+                <a:tab pos="457200" algn="l"/>
+                <a:tab pos="914400" algn="l"/>
+                <a:tab pos="1371600" algn="l"/>
+                <a:tab pos="1828800" algn="l"/>
+                <a:tab pos="2286000" algn="l"/>
+                <a:tab pos="2743200" algn="l"/>
+              </a:tabLst>
+              <a:defRPr sz="1200">
+                <a:solidFill>
+                  <a:srgbClr val="000000"/>
+                </a:solidFill>
+                <a:latin typeface="Times New Roman" panose="02020603050405020304" pitchFamily="18" charset="0"/>
+              </a:defRPr>
+            </a:lvl4pPr>
+            <a:lvl5pPr>
+              <a:spcBef>
+                <a:spcPct val="30000"/>
+              </a:spcBef>
+              <a:buClr>
+                <a:srgbClr val="000000"/>
+              </a:buClr>
+              <a:buSzPct val="100000"/>
+              <a:buFont typeface="Times New Roman" panose="02020603050405020304" pitchFamily="18" charset="0"/>
+              <a:tabLst>
+                <a:tab pos="457200" algn="l"/>
+                <a:tab pos="914400" algn="l"/>
+                <a:tab pos="1371600" algn="l"/>
+                <a:tab pos="1828800" algn="l"/>
+                <a:tab pos="2286000" algn="l"/>
+                <a:tab pos="2743200" algn="l"/>
+              </a:tabLst>
+              <a:defRPr sz="1200">
+                <a:solidFill>
+                  <a:srgbClr val="000000"/>
+                </a:solidFill>
+                <a:latin typeface="Times New Roman" panose="02020603050405020304" pitchFamily="18" charset="0"/>
+              </a:defRPr>
+            </a:lvl5pPr>
+            <a:lvl6pPr marL="2514600" indent="-228600" defTabSz="457200" eaLnBrk="0" fontAlgn="base" hangingPunct="0">
+              <a:spcBef>
+                <a:spcPct val="30000"/>
+              </a:spcBef>
+              <a:spcAft>
+                <a:spcPct val="0"/>
+              </a:spcAft>
+              <a:buClr>
+                <a:srgbClr val="000000"/>
+              </a:buClr>
+              <a:buSzPct val="100000"/>
+              <a:buFont typeface="Times New Roman" panose="02020603050405020304" pitchFamily="18" charset="0"/>
+              <a:tabLst>
+                <a:tab pos="457200" algn="l"/>
+                <a:tab pos="914400" algn="l"/>
+                <a:tab pos="1371600" algn="l"/>
+                <a:tab pos="1828800" algn="l"/>
+                <a:tab pos="2286000" algn="l"/>
+                <a:tab pos="2743200" algn="l"/>
+              </a:tabLst>
+              <a:defRPr sz="1200">
+                <a:solidFill>
+                  <a:srgbClr val="000000"/>
+                </a:solidFill>
+                <a:latin typeface="Times New Roman" panose="02020603050405020304" pitchFamily="18" charset="0"/>
+              </a:defRPr>
+            </a:lvl6pPr>
+            <a:lvl7pPr marL="2971800" indent="-228600" defTabSz="457200" eaLnBrk="0" fontAlgn="base" hangingPunct="0">
+              <a:spcBef>
+                <a:spcPct val="30000"/>
+              </a:spcBef>
+              <a:spcAft>
+                <a:spcPct val="0"/>
+              </a:spcAft>
+              <a:buClr>
+                <a:srgbClr val="000000"/>
+              </a:buClr>
+              <a:buSzPct val="100000"/>
+              <a:buFont typeface="Times New Roman" panose="02020603050405020304" pitchFamily="18" charset="0"/>
+              <a:tabLst>
+                <a:tab pos="457200" algn="l"/>
+                <a:tab pos="914400" algn="l"/>
+                <a:tab pos="1371600" algn="l"/>
+                <a:tab pos="1828800" algn="l"/>
+                <a:tab pos="2286000" algn="l"/>
+                <a:tab pos="2743200" algn="l"/>
+              </a:tabLst>
+              <a:defRPr sz="1200">
+                <a:solidFill>
+                  <a:srgbClr val="000000"/>
+                </a:solidFill>
+                <a:latin typeface="Times New Roman" panose="02020603050405020304" pitchFamily="18" charset="0"/>
+              </a:defRPr>
+            </a:lvl7pPr>
+            <a:lvl8pPr marL="3429000" indent="-228600" defTabSz="457200" eaLnBrk="0" fontAlgn="base" hangingPunct="0">
+              <a:spcBef>
+                <a:spcPct val="30000"/>
+              </a:spcBef>
+              <a:spcAft>
+                <a:spcPct val="0"/>
+              </a:spcAft>
+              <a:buClr>
+                <a:srgbClr val="000000"/>
+              </a:buClr>
+              <a:buSzPct val="100000"/>
+              <a:buFont typeface="Times New Roman" panose="02020603050405020304" pitchFamily="18" charset="0"/>
+              <a:tabLst>
+                <a:tab pos="457200" algn="l"/>
+                <a:tab pos="914400" algn="l"/>
+                <a:tab pos="1371600" algn="l"/>
+                <a:tab pos="1828800" algn="l"/>
+                <a:tab pos="2286000" algn="l"/>
+                <a:tab pos="2743200" algn="l"/>
+              </a:tabLst>
+              <a:defRPr sz="1200">
+                <a:solidFill>
+                  <a:srgbClr val="000000"/>
+                </a:solidFill>
+                <a:latin typeface="Times New Roman" panose="02020603050405020304" pitchFamily="18" charset="0"/>
+              </a:defRPr>
+            </a:lvl8pPr>
+            <a:lvl9pPr marL="3886200" indent="-228600" defTabSz="457200" eaLnBrk="0" fontAlgn="base" hangingPunct="0">
+              <a:spcBef>
+                <a:spcPct val="30000"/>
+              </a:spcBef>
+              <a:spcAft>
+                <a:spcPct val="0"/>
+              </a:spcAft>
+              <a:buClr>
+                <a:srgbClr val="000000"/>
+              </a:buClr>
+              <a:buSzPct val="100000"/>
+              <a:buFont typeface="Times New Roman" panose="02020603050405020304" pitchFamily="18" charset="0"/>
+              <a:tabLst>
+                <a:tab pos="457200" algn="l"/>
+                <a:tab pos="914400" algn="l"/>
+                <a:tab pos="1371600" algn="l"/>
+                <a:tab pos="1828800" algn="l"/>
+                <a:tab pos="2286000" algn="l"/>
+                <a:tab pos="2743200" algn="l"/>
+              </a:tabLst>
+              <a:defRPr sz="1200">
+                <a:solidFill>
+                  <a:srgbClr val="000000"/>
+                </a:solidFill>
+                <a:latin typeface="Times New Roman" panose="02020603050405020304" pitchFamily="18" charset="0"/>
+              </a:defRPr>
+            </a:lvl9pPr>
+          </a:lstStyle>
+          <a:p>
+            <a:pPr>
+              <a:spcBef>
+                <a:spcPct val="0"/>
+              </a:spcBef>
+              <a:buClrTx/>
+              <a:buFontTx/>
+              <a:buNone/>
+            </a:pPr>
+            <a:fld id="{520292C3-9DDF-44A5-9325-69F4A8A087DA}" type="slidenum">
+              <a:rPr lang="en-US" altLang="en-US" smtClean="0">
+                <a:latin typeface="Calibri" panose="020F0502020204030204" pitchFamily="34" charset="0"/>
+                <a:ea typeface="Microsoft YaHei" panose="020B0503020204020204" pitchFamily="34" charset="-122"/>
+              </a:rPr>
+              <a:pPr>
+                <a:spcBef>
+                  <a:spcPct val="0"/>
+                </a:spcBef>
+                <a:buClrTx/>
+                <a:buFontTx/>
+                <a:buNone/>
+              </a:pPr>
+              <a:t>8</a:t>
+            </a:fld>
+            <a:endParaRPr lang="en-US" altLang="en-US">
+              <a:latin typeface="Calibri" panose="020F0502020204030204" pitchFamily="34" charset="0"/>
+              <a:ea typeface="Microsoft YaHei" panose="020B0503020204020204" pitchFamily="34" charset="-122"/>
+            </a:endParaRPr>
+          </a:p>
+        </p:txBody>
+      </p:sp>
+      <p:sp>
+        <p:nvSpPr>
+          <p:cNvPr id="5123" name="Rectangle 1"/>
+          <p:cNvSpPr>
+            <a:spLocks noGrp="1" noRot="1" noChangeAspect="1" noChangeArrowheads="1" noTextEdit="1"/>
+          </p:cNvSpPr>
+          <p:nvPr>
+            <p:ph type="sldImg"/>
+          </p:nvPr>
+        </p:nvSpPr>
+        <p:spPr>
+          <a:xfrm>
+            <a:off x="1143000" y="685800"/>
+            <a:ext cx="4572000" cy="3429000"/>
+          </a:xfrm>
+          <a:solidFill>
+            <a:srgbClr val="FFFFFF"/>
+          </a:solidFill>
+          <a:ln>
+            <a:solidFill>
+              <a:srgbClr val="000000"/>
+            </a:solidFill>
+            <a:miter lim="800000"/>
+            <a:headEnd/>
+            <a:tailEnd/>
+          </a:ln>
+          <a:extLst>
+            <a:ext uri="{AF507438-7753-43E0-B8FC-AC1667EBCBE1}">
+              <a14:hiddenEffects xmlns:a14="http://schemas.microsoft.com/office/drawing/2010/main">
+                <a:effectLst>
+                  <a:outerShdw dist="35921" dir="2700000" algn="ctr" rotWithShape="0">
+                    <a:srgbClr val="808080"/>
+                  </a:outerShdw>
+                </a:effectLst>
+              </a14:hiddenEffects>
+            </a:ext>
+          </a:extLst>
+        </p:spPr>
+      </p:sp>
+      <p:sp>
+        <p:nvSpPr>
+          <p:cNvPr id="5124" name="Text Box 2"/>
+          <p:cNvSpPr txBox="1">
+            <a:spLocks noChangeArrowheads="1"/>
+          </p:cNvSpPr>
+          <p:nvPr/>
+        </p:nvSpPr>
+        <p:spPr bwMode="auto">
+          <a:xfrm>
+            <a:off x="685800" y="4343400"/>
+            <a:ext cx="5486400" cy="4114800"/>
+          </a:xfrm>
+          <a:prstGeom prst="rect">
+            <a:avLst/>
+          </a:prstGeom>
+          <a:noFill/>
+          <a:ln>
+            <a:noFill/>
+          </a:ln>
+          <a:effectLst/>
+          <a:extLst>
+            <a:ext uri="{909E8E84-426E-40DD-AFC4-6F175D3DCCD1}">
+              <a14:hiddenFill xmlns:a14="http://schemas.microsoft.com/office/drawing/2010/main">
+                <a:solidFill>
+                  <a:srgbClr val="FFFFFF"/>
+                </a:solidFill>
+              </a14:hiddenFill>
+            </a:ext>
+            <a:ext uri="{91240B29-F687-4F45-9708-019B960494DF}">
+              <a14:hiddenLine xmlns:a14="http://schemas.microsoft.com/office/drawing/2010/main" w="9525">
+                <a:solidFill>
+                  <a:srgbClr val="3465A4"/>
+                </a:solidFill>
+                <a:round/>
+                <a:headEnd/>
+                <a:tailEnd/>
+              </a14:hiddenLine>
+            </a:ext>
+            <a:ext uri="{AF507438-7753-43E0-B8FC-AC1667EBCBE1}">
+              <a14:hiddenEffects xmlns:a14="http://schemas.microsoft.com/office/drawing/2010/main">
+                <a:effectLst>
+                  <a:outerShdw dist="35921" dir="2700000" algn="ctr" rotWithShape="0">
+                    <a:srgbClr val="808080"/>
+                  </a:outerShdw>
+                </a:effectLst>
+              </a14:hiddenEffects>
+            </a:ext>
+          </a:extLst>
+        </p:spPr>
+        <p:txBody>
+          <a:bodyPr wrap="none" anchor="ctr"/>
+          <a:lstStyle/>
+          <a:p>
+            <a:pPr>
+              <a:buClr>
+                <a:srgbClr val="000000"/>
+              </a:buClr>
+              <a:buSzPct val="100000"/>
+              <a:buFont typeface="Times New Roman" panose="02020603050405020304" pitchFamily="18" charset="0"/>
+              <a:buNone/>
+            </a:pPr>
+            <a:endParaRPr lang="en-US" altLang="en-US"/>
+          </a:p>
+        </p:txBody>
+      </p:sp>
+    </p:spTree>
+    <p:extLst>
+      <p:ext uri="{BB962C8B-B14F-4D97-AF65-F5344CB8AC3E}">
+        <p14:creationId xmlns:p14="http://schemas.microsoft.com/office/powerpoint/2010/main" val="1200636611"/>
+      </p:ext>
+    </p:extLst>
+  </p:cSld>
+  <p:clrMapOvr>
+    <a:masterClrMapping/>
+  </p:clrMapOvr>
+</p:notes>
+</file>
+
+<file path=ppt/notesSlides/notesSlide9.xml><?xml version="1.0" encoding="utf-8"?>
 <p:notes xmlns:a="http://schemas.openxmlformats.org/drawingml/2006/main" xmlns:r="http://schemas.openxmlformats.org/officeDocument/2006/relationships" xmlns:p="http://schemas.openxmlformats.org/presentationml/2006/main">
   <p:cSld>
     <p:bg>
@@ -13524,6 +13956,631 @@
 </file>
 
 <file path=ppt/slides/slide8.xml><?xml version="1.0" encoding="utf-8"?>
+<p:sld xmlns:a="http://schemas.openxmlformats.org/drawingml/2006/main" xmlns:r="http://schemas.openxmlformats.org/officeDocument/2006/relationships" xmlns:p="http://schemas.openxmlformats.org/presentationml/2006/main">
+  <p:cSld>
+    <p:spTree>
+      <p:nvGrpSpPr>
+        <p:cNvPr id="1" name=""/>
+        <p:cNvGrpSpPr/>
+        <p:nvPr/>
+      </p:nvGrpSpPr>
+      <p:grpSpPr>
+        <a:xfrm>
+          <a:off x="0" y="0"/>
+          <a:ext cx="0" cy="0"/>
+          <a:chOff x="0" y="0"/>
+          <a:chExt cx="0" cy="0"/>
+        </a:xfrm>
+      </p:grpSpPr>
+      <p:sp>
+        <p:nvSpPr>
+          <p:cNvPr id="4098" name="Text Box 2"/>
+          <p:cNvSpPr txBox="1">
+            <a:spLocks noChangeArrowheads="1"/>
+          </p:cNvSpPr>
+          <p:nvPr/>
+        </p:nvSpPr>
+        <p:spPr bwMode="auto">
+          <a:xfrm>
+            <a:off x="6553200" y="6356350"/>
+            <a:ext cx="2133600" cy="365125"/>
+          </a:xfrm>
+          <a:prstGeom prst="rect">
+            <a:avLst/>
+          </a:prstGeom>
+          <a:noFill/>
+          <a:ln>
+            <a:noFill/>
+          </a:ln>
+          <a:effectLst/>
+          <a:extLst>
+            <a:ext uri="{909E8E84-426E-40DD-AFC4-6F175D3DCCD1}">
+              <a14:hiddenFill xmlns:a14="http://schemas.microsoft.com/office/drawing/2010/main">
+                <a:solidFill>
+                  <a:srgbClr val="FFFFFF"/>
+                </a:solidFill>
+              </a14:hiddenFill>
+            </a:ext>
+            <a:ext uri="{91240B29-F687-4F45-9708-019B960494DF}">
+              <a14:hiddenLine xmlns:a14="http://schemas.microsoft.com/office/drawing/2010/main" w="9525">
+                <a:solidFill>
+                  <a:srgbClr val="3465A4"/>
+                </a:solidFill>
+                <a:round/>
+                <a:headEnd/>
+                <a:tailEnd/>
+              </a14:hiddenLine>
+            </a:ext>
+            <a:ext uri="{AF507438-7753-43E0-B8FC-AC1667EBCBE1}">
+              <a14:hiddenEffects xmlns:a14="http://schemas.microsoft.com/office/drawing/2010/main">
+                <a:effectLst>
+                  <a:outerShdw dist="35921" dir="2700000" algn="ctr" rotWithShape="0">
+                    <a:srgbClr val="808080"/>
+                  </a:outerShdw>
+                </a:effectLst>
+              </a14:hiddenEffects>
+            </a:ext>
+          </a:extLst>
+        </p:spPr>
+        <p:txBody>
+          <a:bodyPr lIns="90000" tIns="46800" rIns="90000" bIns="46800" anchor="ctr"/>
+          <a:lstStyle>
+            <a:lvl1pPr>
+              <a:spcBef>
+                <a:spcPts val="800"/>
+              </a:spcBef>
+              <a:buClr>
+                <a:srgbClr val="000000"/>
+              </a:buClr>
+              <a:buSzPct val="100000"/>
+              <a:buFont typeface="Times New Roman" panose="02020603050405020304" pitchFamily="18" charset="0"/>
+              <a:tabLst>
+                <a:tab pos="0" algn="l"/>
+                <a:tab pos="457200" algn="l"/>
+                <a:tab pos="914400" algn="l"/>
+                <a:tab pos="1371600" algn="l"/>
+                <a:tab pos="1828800" algn="l"/>
+                <a:tab pos="2286000" algn="l"/>
+                <a:tab pos="2743200" algn="l"/>
+                <a:tab pos="3200400" algn="l"/>
+                <a:tab pos="3657600" algn="l"/>
+                <a:tab pos="4114800" algn="l"/>
+                <a:tab pos="4572000" algn="l"/>
+                <a:tab pos="5029200" algn="l"/>
+                <a:tab pos="5486400" algn="l"/>
+                <a:tab pos="5943600" algn="l"/>
+                <a:tab pos="6400800" algn="l"/>
+                <a:tab pos="6858000" algn="l"/>
+                <a:tab pos="7315200" algn="l"/>
+                <a:tab pos="7772400" algn="l"/>
+                <a:tab pos="8229600" algn="l"/>
+                <a:tab pos="8686800" algn="l"/>
+                <a:tab pos="9144000" algn="l"/>
+              </a:tabLst>
+              <a:defRPr sz="3200">
+                <a:solidFill>
+                  <a:srgbClr val="000000"/>
+                </a:solidFill>
+                <a:latin typeface="Calibri" panose="020F0502020204030204" pitchFamily="34" charset="0"/>
+                <a:ea typeface="Microsoft YaHei" panose="020B0503020204020204" pitchFamily="34" charset="-122"/>
+              </a:defRPr>
+            </a:lvl1pPr>
+            <a:lvl2pPr>
+              <a:spcBef>
+                <a:spcPts val="700"/>
+              </a:spcBef>
+              <a:buClr>
+                <a:srgbClr val="000000"/>
+              </a:buClr>
+              <a:buSzPct val="100000"/>
+              <a:buFont typeface="Times New Roman" panose="02020603050405020304" pitchFamily="18" charset="0"/>
+              <a:tabLst>
+                <a:tab pos="0" algn="l"/>
+                <a:tab pos="457200" algn="l"/>
+                <a:tab pos="914400" algn="l"/>
+                <a:tab pos="1371600" algn="l"/>
+                <a:tab pos="1828800" algn="l"/>
+                <a:tab pos="2286000" algn="l"/>
+                <a:tab pos="2743200" algn="l"/>
+                <a:tab pos="3200400" algn="l"/>
+                <a:tab pos="3657600" algn="l"/>
+                <a:tab pos="4114800" algn="l"/>
+                <a:tab pos="4572000" algn="l"/>
+                <a:tab pos="5029200" algn="l"/>
+                <a:tab pos="5486400" algn="l"/>
+                <a:tab pos="5943600" algn="l"/>
+                <a:tab pos="6400800" algn="l"/>
+                <a:tab pos="6858000" algn="l"/>
+                <a:tab pos="7315200" algn="l"/>
+                <a:tab pos="7772400" algn="l"/>
+                <a:tab pos="8229600" algn="l"/>
+                <a:tab pos="8686800" algn="l"/>
+                <a:tab pos="9144000" algn="l"/>
+              </a:tabLst>
+              <a:defRPr sz="2800">
+                <a:solidFill>
+                  <a:srgbClr val="000000"/>
+                </a:solidFill>
+                <a:latin typeface="Calibri" panose="020F0502020204030204" pitchFamily="34" charset="0"/>
+                <a:ea typeface="Microsoft YaHei" panose="020B0503020204020204" pitchFamily="34" charset="-122"/>
+              </a:defRPr>
+            </a:lvl2pPr>
+            <a:lvl3pPr>
+              <a:spcBef>
+                <a:spcPts val="600"/>
+              </a:spcBef>
+              <a:buClr>
+                <a:srgbClr val="000000"/>
+              </a:buClr>
+              <a:buSzPct val="100000"/>
+              <a:buFont typeface="Times New Roman" panose="02020603050405020304" pitchFamily="18" charset="0"/>
+              <a:tabLst>
+                <a:tab pos="0" algn="l"/>
+                <a:tab pos="457200" algn="l"/>
+                <a:tab pos="914400" algn="l"/>
+                <a:tab pos="1371600" algn="l"/>
+                <a:tab pos="1828800" algn="l"/>
+                <a:tab pos="2286000" algn="l"/>
+                <a:tab pos="2743200" algn="l"/>
+                <a:tab pos="3200400" algn="l"/>
+                <a:tab pos="3657600" algn="l"/>
+                <a:tab pos="4114800" algn="l"/>
+                <a:tab pos="4572000" algn="l"/>
+                <a:tab pos="5029200" algn="l"/>
+                <a:tab pos="5486400" algn="l"/>
+                <a:tab pos="5943600" algn="l"/>
+                <a:tab pos="6400800" algn="l"/>
+                <a:tab pos="6858000" algn="l"/>
+                <a:tab pos="7315200" algn="l"/>
+                <a:tab pos="7772400" algn="l"/>
+                <a:tab pos="8229600" algn="l"/>
+                <a:tab pos="8686800" algn="l"/>
+                <a:tab pos="9144000" algn="l"/>
+              </a:tabLst>
+              <a:defRPr sz="2400">
+                <a:solidFill>
+                  <a:srgbClr val="000000"/>
+                </a:solidFill>
+                <a:latin typeface="Calibri" panose="020F0502020204030204" pitchFamily="34" charset="0"/>
+                <a:ea typeface="Microsoft YaHei" panose="020B0503020204020204" pitchFamily="34" charset="-122"/>
+              </a:defRPr>
+            </a:lvl3pPr>
+            <a:lvl4pPr>
+              <a:spcBef>
+                <a:spcPts val="500"/>
+              </a:spcBef>
+              <a:buClr>
+                <a:srgbClr val="000000"/>
+              </a:buClr>
+              <a:buSzPct val="100000"/>
+              <a:buFont typeface="Times New Roman" panose="02020603050405020304" pitchFamily="18" charset="0"/>
+              <a:tabLst>
+                <a:tab pos="0" algn="l"/>
+                <a:tab pos="457200" algn="l"/>
+                <a:tab pos="914400" algn="l"/>
+                <a:tab pos="1371600" algn="l"/>
+                <a:tab pos="1828800" algn="l"/>
+                <a:tab pos="2286000" algn="l"/>
+                <a:tab pos="2743200" algn="l"/>
+                <a:tab pos="3200400" algn="l"/>
+                <a:tab pos="3657600" algn="l"/>
+                <a:tab pos="4114800" algn="l"/>
+                <a:tab pos="4572000" algn="l"/>
+                <a:tab pos="5029200" algn="l"/>
+                <a:tab pos="5486400" algn="l"/>
+                <a:tab pos="5943600" algn="l"/>
+                <a:tab pos="6400800" algn="l"/>
+                <a:tab pos="6858000" algn="l"/>
+                <a:tab pos="7315200" algn="l"/>
+                <a:tab pos="7772400" algn="l"/>
+                <a:tab pos="8229600" algn="l"/>
+                <a:tab pos="8686800" algn="l"/>
+                <a:tab pos="9144000" algn="l"/>
+              </a:tabLst>
+              <a:defRPr sz="2000">
+                <a:solidFill>
+                  <a:srgbClr val="000000"/>
+                </a:solidFill>
+                <a:latin typeface="Calibri" panose="020F0502020204030204" pitchFamily="34" charset="0"/>
+                <a:ea typeface="Microsoft YaHei" panose="020B0503020204020204" pitchFamily="34" charset="-122"/>
+              </a:defRPr>
+            </a:lvl4pPr>
+            <a:lvl5pPr>
+              <a:spcBef>
+                <a:spcPts val="500"/>
+              </a:spcBef>
+              <a:buClr>
+                <a:srgbClr val="000000"/>
+              </a:buClr>
+              <a:buSzPct val="100000"/>
+              <a:buFont typeface="Times New Roman" panose="02020603050405020304" pitchFamily="18" charset="0"/>
+              <a:tabLst>
+                <a:tab pos="0" algn="l"/>
+                <a:tab pos="457200" algn="l"/>
+                <a:tab pos="914400" algn="l"/>
+                <a:tab pos="1371600" algn="l"/>
+                <a:tab pos="1828800" algn="l"/>
+                <a:tab pos="2286000" algn="l"/>
+                <a:tab pos="2743200" algn="l"/>
+                <a:tab pos="3200400" algn="l"/>
+                <a:tab pos="3657600" algn="l"/>
+                <a:tab pos="4114800" algn="l"/>
+                <a:tab pos="4572000" algn="l"/>
+                <a:tab pos="5029200" algn="l"/>
+                <a:tab pos="5486400" algn="l"/>
+                <a:tab pos="5943600" algn="l"/>
+                <a:tab pos="6400800" algn="l"/>
+                <a:tab pos="6858000" algn="l"/>
+                <a:tab pos="7315200" algn="l"/>
+                <a:tab pos="7772400" algn="l"/>
+                <a:tab pos="8229600" algn="l"/>
+                <a:tab pos="8686800" algn="l"/>
+                <a:tab pos="9144000" algn="l"/>
+              </a:tabLst>
+              <a:defRPr sz="2000">
+                <a:solidFill>
+                  <a:srgbClr val="000000"/>
+                </a:solidFill>
+                <a:latin typeface="Calibri" panose="020F0502020204030204" pitchFamily="34" charset="0"/>
+                <a:ea typeface="Microsoft YaHei" panose="020B0503020204020204" pitchFamily="34" charset="-122"/>
+              </a:defRPr>
+            </a:lvl5pPr>
+            <a:lvl6pPr marL="2514600" indent="-228600" defTabSz="457200" eaLnBrk="0" fontAlgn="base" hangingPunct="0">
+              <a:spcBef>
+                <a:spcPts val="500"/>
+              </a:spcBef>
+              <a:spcAft>
+                <a:spcPct val="0"/>
+              </a:spcAft>
+              <a:buClr>
+                <a:srgbClr val="000000"/>
+              </a:buClr>
+              <a:buSzPct val="100000"/>
+              <a:buFont typeface="Times New Roman" panose="02020603050405020304" pitchFamily="18" charset="0"/>
+              <a:tabLst>
+                <a:tab pos="0" algn="l"/>
+                <a:tab pos="457200" algn="l"/>
+                <a:tab pos="914400" algn="l"/>
+                <a:tab pos="1371600" algn="l"/>
+                <a:tab pos="1828800" algn="l"/>
+                <a:tab pos="2286000" algn="l"/>
+                <a:tab pos="2743200" algn="l"/>
+                <a:tab pos="3200400" algn="l"/>
+                <a:tab pos="3657600" algn="l"/>
+                <a:tab pos="4114800" algn="l"/>
+                <a:tab pos="4572000" algn="l"/>
+                <a:tab pos="5029200" algn="l"/>
+                <a:tab pos="5486400" algn="l"/>
+                <a:tab pos="5943600" algn="l"/>
+                <a:tab pos="6400800" algn="l"/>
+                <a:tab pos="6858000" algn="l"/>
+                <a:tab pos="7315200" algn="l"/>
+                <a:tab pos="7772400" algn="l"/>
+                <a:tab pos="8229600" algn="l"/>
+                <a:tab pos="8686800" algn="l"/>
+                <a:tab pos="9144000" algn="l"/>
+              </a:tabLst>
+              <a:defRPr sz="2000">
+                <a:solidFill>
+                  <a:srgbClr val="000000"/>
+                </a:solidFill>
+                <a:latin typeface="Calibri" panose="020F0502020204030204" pitchFamily="34" charset="0"/>
+                <a:ea typeface="Microsoft YaHei" panose="020B0503020204020204" pitchFamily="34" charset="-122"/>
+              </a:defRPr>
+            </a:lvl6pPr>
+            <a:lvl7pPr marL="2971800" indent="-228600" defTabSz="457200" eaLnBrk="0" fontAlgn="base" hangingPunct="0">
+              <a:spcBef>
+                <a:spcPts val="500"/>
+              </a:spcBef>
+              <a:spcAft>
+                <a:spcPct val="0"/>
+              </a:spcAft>
+              <a:buClr>
+                <a:srgbClr val="000000"/>
+              </a:buClr>
+              <a:buSzPct val="100000"/>
+              <a:buFont typeface="Times New Roman" panose="02020603050405020304" pitchFamily="18" charset="0"/>
+              <a:tabLst>
+                <a:tab pos="0" algn="l"/>
+                <a:tab pos="457200" algn="l"/>
+                <a:tab pos="914400" algn="l"/>
+                <a:tab pos="1371600" algn="l"/>
+                <a:tab pos="1828800" algn="l"/>
+                <a:tab pos="2286000" algn="l"/>
+                <a:tab pos="2743200" algn="l"/>
+                <a:tab pos="3200400" algn="l"/>
+                <a:tab pos="3657600" algn="l"/>
+                <a:tab pos="4114800" algn="l"/>
+                <a:tab pos="4572000" algn="l"/>
+                <a:tab pos="5029200" algn="l"/>
+                <a:tab pos="5486400" algn="l"/>
+                <a:tab pos="5943600" algn="l"/>
+                <a:tab pos="6400800" algn="l"/>
+                <a:tab pos="6858000" algn="l"/>
+                <a:tab pos="7315200" algn="l"/>
+                <a:tab pos="7772400" algn="l"/>
+                <a:tab pos="8229600" algn="l"/>
+                <a:tab pos="8686800" algn="l"/>
+                <a:tab pos="9144000" algn="l"/>
+              </a:tabLst>
+              <a:defRPr sz="2000">
+                <a:solidFill>
+                  <a:srgbClr val="000000"/>
+                </a:solidFill>
+                <a:latin typeface="Calibri" panose="020F0502020204030204" pitchFamily="34" charset="0"/>
+                <a:ea typeface="Microsoft YaHei" panose="020B0503020204020204" pitchFamily="34" charset="-122"/>
+              </a:defRPr>
+            </a:lvl7pPr>
+            <a:lvl8pPr marL="3429000" indent="-228600" defTabSz="457200" eaLnBrk="0" fontAlgn="base" hangingPunct="0">
+              <a:spcBef>
+                <a:spcPts val="500"/>
+              </a:spcBef>
+              <a:spcAft>
+                <a:spcPct val="0"/>
+              </a:spcAft>
+              <a:buClr>
+                <a:srgbClr val="000000"/>
+              </a:buClr>
+              <a:buSzPct val="100000"/>
+              <a:buFont typeface="Times New Roman" panose="02020603050405020304" pitchFamily="18" charset="0"/>
+              <a:tabLst>
+                <a:tab pos="0" algn="l"/>
+                <a:tab pos="457200" algn="l"/>
+                <a:tab pos="914400" algn="l"/>
+                <a:tab pos="1371600" algn="l"/>
+                <a:tab pos="1828800" algn="l"/>
+                <a:tab pos="2286000" algn="l"/>
+                <a:tab pos="2743200" algn="l"/>
+                <a:tab pos="3200400" algn="l"/>
+                <a:tab pos="3657600" algn="l"/>
+                <a:tab pos="4114800" algn="l"/>
+                <a:tab pos="4572000" algn="l"/>
+                <a:tab pos="5029200" algn="l"/>
+                <a:tab pos="5486400" algn="l"/>
+                <a:tab pos="5943600" algn="l"/>
+                <a:tab pos="6400800" algn="l"/>
+                <a:tab pos="6858000" algn="l"/>
+                <a:tab pos="7315200" algn="l"/>
+                <a:tab pos="7772400" algn="l"/>
+                <a:tab pos="8229600" algn="l"/>
+                <a:tab pos="8686800" algn="l"/>
+                <a:tab pos="9144000" algn="l"/>
+              </a:tabLst>
+              <a:defRPr sz="2000">
+                <a:solidFill>
+                  <a:srgbClr val="000000"/>
+                </a:solidFill>
+                <a:latin typeface="Calibri" panose="020F0502020204030204" pitchFamily="34" charset="0"/>
+                <a:ea typeface="Microsoft YaHei" panose="020B0503020204020204" pitchFamily="34" charset="-122"/>
+              </a:defRPr>
+            </a:lvl8pPr>
+            <a:lvl9pPr marL="3886200" indent="-228600" defTabSz="457200" eaLnBrk="0" fontAlgn="base" hangingPunct="0">
+              <a:spcBef>
+                <a:spcPts val="500"/>
+              </a:spcBef>
+              <a:spcAft>
+                <a:spcPct val="0"/>
+              </a:spcAft>
+              <a:buClr>
+                <a:srgbClr val="000000"/>
+              </a:buClr>
+              <a:buSzPct val="100000"/>
+              <a:buFont typeface="Times New Roman" panose="02020603050405020304" pitchFamily="18" charset="0"/>
+              <a:tabLst>
+                <a:tab pos="0" algn="l"/>
+                <a:tab pos="457200" algn="l"/>
+                <a:tab pos="914400" algn="l"/>
+                <a:tab pos="1371600" algn="l"/>
+                <a:tab pos="1828800" algn="l"/>
+                <a:tab pos="2286000" algn="l"/>
+                <a:tab pos="2743200" algn="l"/>
+                <a:tab pos="3200400" algn="l"/>
+                <a:tab pos="3657600" algn="l"/>
+                <a:tab pos="4114800" algn="l"/>
+                <a:tab pos="4572000" algn="l"/>
+                <a:tab pos="5029200" algn="l"/>
+                <a:tab pos="5486400" algn="l"/>
+                <a:tab pos="5943600" algn="l"/>
+                <a:tab pos="6400800" algn="l"/>
+                <a:tab pos="6858000" algn="l"/>
+                <a:tab pos="7315200" algn="l"/>
+                <a:tab pos="7772400" algn="l"/>
+                <a:tab pos="8229600" algn="l"/>
+                <a:tab pos="8686800" algn="l"/>
+                <a:tab pos="9144000" algn="l"/>
+              </a:tabLst>
+              <a:defRPr sz="2000">
+                <a:solidFill>
+                  <a:srgbClr val="000000"/>
+                </a:solidFill>
+                <a:latin typeface="Calibri" panose="020F0502020204030204" pitchFamily="34" charset="0"/>
+                <a:ea typeface="Microsoft YaHei" panose="020B0503020204020204" pitchFamily="34" charset="-122"/>
+              </a:defRPr>
+            </a:lvl9pPr>
+          </a:lstStyle>
+          <a:p>
+            <a:pPr algn="r" eaLnBrk="1" hangingPunct="1">
+              <a:spcBef>
+                <a:spcPct val="0"/>
+              </a:spcBef>
+              <a:buClrTx/>
+              <a:buFontTx/>
+              <a:buNone/>
+            </a:pPr>
+            <a:fld id="{47098037-AF6E-4911-A4C0-E233CF832348}" type="slidenum">
+              <a:rPr lang="en-US" altLang="en-US" sz="1200">
+                <a:solidFill>
+                  <a:srgbClr val="898989"/>
+                </a:solidFill>
+              </a:rPr>
+              <a:pPr algn="r" eaLnBrk="1" hangingPunct="1">
+                <a:spcBef>
+                  <a:spcPct val="0"/>
+                </a:spcBef>
+                <a:buClrTx/>
+                <a:buFontTx/>
+                <a:buNone/>
+              </a:pPr>
+              <a:t>8</a:t>
+            </a:fld>
+            <a:endParaRPr lang="en-US" altLang="en-US" sz="1200">
+              <a:solidFill>
+                <a:srgbClr val="898989"/>
+              </a:solidFill>
+            </a:endParaRPr>
+          </a:p>
+        </p:txBody>
+      </p:sp>
+      <p:sp>
+        <p:nvSpPr>
+          <p:cNvPr id="7" name="TextBox 6"/>
+          <p:cNvSpPr txBox="1"/>
+          <p:nvPr/>
+        </p:nvSpPr>
+        <p:spPr>
+          <a:xfrm>
+            <a:off x="294724" y="5640059"/>
+            <a:ext cx="8610600" cy="400110"/>
+          </a:xfrm>
+          <a:prstGeom prst="rect">
+            <a:avLst/>
+          </a:prstGeom>
+          <a:noFill/>
+        </p:spPr>
+        <p:txBody>
+          <a:bodyPr wrap="square" lIns="91440" tIns="45720" rIns="91440" bIns="45720" rtlCol="0" anchor="t">
+            <a:spAutoFit/>
+          </a:bodyPr>
+          <a:lstStyle/>
+          <a:p>
+            <a:pPr algn="ctr"/>
+            <a:r>
+              <a:rPr lang="en-US" sz="2000" dirty="0">
+                <a:solidFill>
+                  <a:schemeClr val="tx1"/>
+                </a:solidFill>
+                <a:latin typeface="Times New Roman"/>
+                <a:ea typeface="Microsoft YaHei"/>
+                <a:cs typeface="Times New Roman"/>
+              </a:rPr>
+              <a:t>Trang contact</a:t>
+            </a:r>
+          </a:p>
+        </p:txBody>
+      </p:sp>
+      <p:sp>
+        <p:nvSpPr>
+          <p:cNvPr id="2" name="TextBox 1">
+            <a:extLst>
+              <a:ext uri="{FF2B5EF4-FFF2-40B4-BE49-F238E27FC236}">
+                <a16:creationId xmlns:a16="http://schemas.microsoft.com/office/drawing/2014/main" id="{818D014C-A825-4F0C-8C04-90E88241E99B}"/>
+              </a:ext>
+            </a:extLst>
+          </p:cNvPr>
+          <p:cNvSpPr txBox="1"/>
+          <p:nvPr/>
+        </p:nvSpPr>
+        <p:spPr>
+          <a:xfrm>
+            <a:off x="262606" y="1509515"/>
+            <a:ext cx="3848416" cy="523220"/>
+          </a:xfrm>
+          <a:prstGeom prst="rect">
+            <a:avLst/>
+          </a:prstGeom>
+          <a:noFill/>
+        </p:spPr>
+        <p:txBody>
+          <a:bodyPr rot="0" spcFirstLastPara="0" vertOverflow="overflow" horzOverflow="overflow" vert="horz" wrap="square" lIns="91440" tIns="45720" rIns="91440" bIns="45720" numCol="1" spcCol="0" rtlCol="0" fromWordArt="0" anchor="t" anchorCtr="0" forceAA="0" compatLnSpc="1">
+            <a:prstTxWarp prst="textNoShape">
+              <a:avLst/>
+            </a:prstTxWarp>
+            <a:spAutoFit/>
+          </a:bodyPr>
+          <a:lstStyle/>
+          <a:p>
+            <a:endParaRPr lang="en-US" sz="2800" b="1">
+              <a:solidFill>
+                <a:schemeClr val="tx1"/>
+              </a:solidFill>
+              <a:latin typeface="Times New Roman"/>
+              <a:cs typeface="Arial"/>
+            </a:endParaRPr>
+          </a:p>
+        </p:txBody>
+      </p:sp>
+      <p:pic>
+        <p:nvPicPr>
+          <p:cNvPr id="3" name="Picture 4" descr="Table&#10;&#10;Description automatically generated">
+            <a:extLst>
+              <a:ext uri="{FF2B5EF4-FFF2-40B4-BE49-F238E27FC236}">
+                <a16:creationId xmlns:a16="http://schemas.microsoft.com/office/drawing/2014/main" id="{F6CE45CF-0BBF-4AA2-8B06-210C36E0B1E2}"/>
+              </a:ext>
+            </a:extLst>
+          </p:cNvPr>
+          <p:cNvPicPr>
+            <a:picLocks noChangeAspect="1"/>
+          </p:cNvPicPr>
+          <p:nvPr/>
+        </p:nvPicPr>
+        <p:blipFill>
+          <a:blip r:embed="rId3"/>
+          <a:stretch>
+            <a:fillRect/>
+          </a:stretch>
+        </p:blipFill>
+        <p:spPr>
+          <a:xfrm>
+            <a:off x="368061" y="1713119"/>
+            <a:ext cx="8379123" cy="3834327"/>
+          </a:xfrm>
+          <a:prstGeom prst="rect">
+            <a:avLst/>
+          </a:prstGeom>
+        </p:spPr>
+      </p:pic>
+    </p:spTree>
+    <p:extLst>
+      <p:ext uri="{BB962C8B-B14F-4D97-AF65-F5344CB8AC3E}">
+        <p14:creationId xmlns:p14="http://schemas.microsoft.com/office/powerpoint/2010/main" val="1264579766"/>
+      </p:ext>
+    </p:extLst>
+  </p:cSld>
+  <p:clrMapOvr>
+    <a:masterClrMapping/>
+  </p:clrMapOvr>
+  <p:transition spd="med"/>
+  <p:timing>
+    <p:tnLst>
+      <p:par>
+        <p:cTn id="1" dur="indefinite" restart="never" nodeType="tmRoot">
+          <p:childTnLst>
+            <p:seq concurrent="1" nextAc="seek">
+              <p:cTn id="2" dur="indefinite" nodeType="mainSeq"/>
+              <p:prevCondLst>
+                <p:cond evt="onPrev" delay="0">
+                  <p:tgtEl>
+                    <p:sldTgt/>
+                  </p:tgtEl>
+                </p:cond>
+              </p:prevCondLst>
+              <p:nextCondLst>
+                <p:cond evt="onNext" delay="0">
+                  <p:tgtEl>
+                    <p:sldTgt/>
+                  </p:tgtEl>
+                </p:cond>
+              </p:nextCondLst>
+            </p:seq>
+          </p:childTnLst>
+        </p:cTn>
+      </p:par>
+    </p:tnLst>
+  </p:timing>
+</p:sld>
+</file>
+
+<file path=ppt/slides/slide9.xml><?xml version="1.0" encoding="utf-8"?>
 <p:sld xmlns:a="http://schemas.openxmlformats.org/drawingml/2006/main" xmlns:r="http://schemas.openxmlformats.org/officeDocument/2006/relationships" xmlns:p="http://schemas.openxmlformats.org/presentationml/2006/main">
   <p:cSld>
     <p:spTree>
